--- a/eCourseFile.pptx
+++ b/eCourseFile.pptx
@@ -270,7 +270,7 @@
           <a:p>
             <a:fld id="{A4EB8EFC-5BBB-4AFF-A414-D2CB77541502}" type="datetimeFigureOut">
               <a:rPr lang="en-MY" smtClean="0"/>
-              <a:t>16/3/2021</a:t>
+              <a:t>18/3/2021</a:t>
             </a:fld>
             <a:endParaRPr lang="en-MY"/>
           </a:p>
@@ -470,7 +470,7 @@
           <a:p>
             <a:fld id="{A4EB8EFC-5BBB-4AFF-A414-D2CB77541502}" type="datetimeFigureOut">
               <a:rPr lang="en-MY" smtClean="0"/>
-              <a:t>16/3/2021</a:t>
+              <a:t>18/3/2021</a:t>
             </a:fld>
             <a:endParaRPr lang="en-MY"/>
           </a:p>
@@ -680,7 +680,7 @@
           <a:p>
             <a:fld id="{A4EB8EFC-5BBB-4AFF-A414-D2CB77541502}" type="datetimeFigureOut">
               <a:rPr lang="en-MY" smtClean="0"/>
-              <a:t>16/3/2021</a:t>
+              <a:t>18/3/2021</a:t>
             </a:fld>
             <a:endParaRPr lang="en-MY"/>
           </a:p>
@@ -880,7 +880,7 @@
           <a:p>
             <a:fld id="{A4EB8EFC-5BBB-4AFF-A414-D2CB77541502}" type="datetimeFigureOut">
               <a:rPr lang="en-MY" smtClean="0"/>
-              <a:t>16/3/2021</a:t>
+              <a:t>18/3/2021</a:t>
             </a:fld>
             <a:endParaRPr lang="en-MY"/>
           </a:p>
@@ -1156,7 +1156,7 @@
           <a:p>
             <a:fld id="{A4EB8EFC-5BBB-4AFF-A414-D2CB77541502}" type="datetimeFigureOut">
               <a:rPr lang="en-MY" smtClean="0"/>
-              <a:t>16/3/2021</a:t>
+              <a:t>18/3/2021</a:t>
             </a:fld>
             <a:endParaRPr lang="en-MY"/>
           </a:p>
@@ -1424,7 +1424,7 @@
           <a:p>
             <a:fld id="{A4EB8EFC-5BBB-4AFF-A414-D2CB77541502}" type="datetimeFigureOut">
               <a:rPr lang="en-MY" smtClean="0"/>
-              <a:t>16/3/2021</a:t>
+              <a:t>18/3/2021</a:t>
             </a:fld>
             <a:endParaRPr lang="en-MY"/>
           </a:p>
@@ -1839,7 +1839,7 @@
           <a:p>
             <a:fld id="{A4EB8EFC-5BBB-4AFF-A414-D2CB77541502}" type="datetimeFigureOut">
               <a:rPr lang="en-MY" smtClean="0"/>
-              <a:t>16/3/2021</a:t>
+              <a:t>18/3/2021</a:t>
             </a:fld>
             <a:endParaRPr lang="en-MY"/>
           </a:p>
@@ -1981,7 +1981,7 @@
           <a:p>
             <a:fld id="{A4EB8EFC-5BBB-4AFF-A414-D2CB77541502}" type="datetimeFigureOut">
               <a:rPr lang="en-MY" smtClean="0"/>
-              <a:t>16/3/2021</a:t>
+              <a:t>18/3/2021</a:t>
             </a:fld>
             <a:endParaRPr lang="en-MY"/>
           </a:p>
@@ -2094,7 +2094,7 @@
           <a:p>
             <a:fld id="{A4EB8EFC-5BBB-4AFF-A414-D2CB77541502}" type="datetimeFigureOut">
               <a:rPr lang="en-MY" smtClean="0"/>
-              <a:t>16/3/2021</a:t>
+              <a:t>18/3/2021</a:t>
             </a:fld>
             <a:endParaRPr lang="en-MY"/>
           </a:p>
@@ -2407,7 +2407,7 @@
           <a:p>
             <a:fld id="{A4EB8EFC-5BBB-4AFF-A414-D2CB77541502}" type="datetimeFigureOut">
               <a:rPr lang="en-MY" smtClean="0"/>
-              <a:t>16/3/2021</a:t>
+              <a:t>18/3/2021</a:t>
             </a:fld>
             <a:endParaRPr lang="en-MY"/>
           </a:p>
@@ -2696,7 +2696,7 @@
           <a:p>
             <a:fld id="{A4EB8EFC-5BBB-4AFF-A414-D2CB77541502}" type="datetimeFigureOut">
               <a:rPr lang="en-MY" smtClean="0"/>
-              <a:t>16/3/2021</a:t>
+              <a:t>18/3/2021</a:t>
             </a:fld>
             <a:endParaRPr lang="en-MY"/>
           </a:p>
@@ -2939,7 +2939,7 @@
           <a:p>
             <a:fld id="{A4EB8EFC-5BBB-4AFF-A414-D2CB77541502}" type="datetimeFigureOut">
               <a:rPr lang="en-MY" smtClean="0"/>
-              <a:t>16/3/2021</a:t>
+              <a:t>18/3/2021</a:t>
             </a:fld>
             <a:endParaRPr lang="en-MY"/>
           </a:p>
@@ -3686,6 +3686,9 @@
           <a:prstGeom prst="flowChartAlternateProcess">
             <a:avLst/>
           </a:prstGeom>
+          <a:solidFill>
+            <a:srgbClr val="00B0F0"/>
+          </a:solidFill>
           <a:effectLst>
             <a:outerShdw blurRad="50800" dist="38100" dir="2700000" algn="tl" rotWithShape="0">
               <a:prstClr val="black">
